--- a/PHP Essentials/001_Знакомство с ООП, PHP ООП/001_Знакомство_с_ООП,_PHP_ООП_Презентация.pptx
+++ b/PHP Essentials/001_Знакомство с ООП, PHP ООП/001_Знакомство_с_ООП,_PHP_ООП_Презентация.pptx
@@ -249,7 +249,7 @@
           <a:p>
             <a:fld id="{39EEAABF-1A21-4BDA-A92C-F0636835B84E}" type="datetimeFigureOut">
               <a:rPr lang="en-US" smtClean="0"/>
-              <a:t>11/10/2020</a:t>
+              <a:t>11/18/2020</a:t>
             </a:fld>
             <a:endParaRPr lang="en-US"/>
           </a:p>
@@ -2171,7 +2171,7 @@
           <a:p>
             <a:fld id="{7138E089-62ED-4B99-9D85-4233106172C3}" type="datetime1">
               <a:rPr lang="ru-RU" smtClean="0"/>
-              <a:t>10.11.2020</a:t>
+              <a:t>18.11.2020</a:t>
             </a:fld>
             <a:endParaRPr lang="ru-RU"/>
           </a:p>
@@ -2343,7 +2343,7 @@
           <a:p>
             <a:fld id="{1C55742B-6A67-44BA-9E65-E8ED5897B169}" type="datetime1">
               <a:rPr lang="ru-RU" smtClean="0"/>
-              <a:t>10.11.2020</a:t>
+              <a:t>18.11.2020</a:t>
             </a:fld>
             <a:endParaRPr lang="ru-RU"/>
           </a:p>
@@ -2525,7 +2525,7 @@
           <a:p>
             <a:fld id="{31D9B4FD-8306-4B74-B1F8-D2E67870986E}" type="datetime1">
               <a:rPr lang="ru-RU" smtClean="0"/>
-              <a:t>10.11.2020</a:t>
+              <a:t>18.11.2020</a:t>
             </a:fld>
             <a:endParaRPr lang="ru-RU"/>
           </a:p>
@@ -2697,7 +2697,7 @@
           <a:p>
             <a:fld id="{32E4D2F2-8EAD-4248-A8AF-937EE57F2432}" type="datetime1">
               <a:rPr lang="ru-RU" smtClean="0"/>
-              <a:t>10.11.2020</a:t>
+              <a:t>18.11.2020</a:t>
             </a:fld>
             <a:endParaRPr lang="ru-RU"/>
           </a:p>
@@ -2946,7 +2946,7 @@
           <a:p>
             <a:fld id="{FB71B655-9686-4700-A3E3-2677DD26807C}" type="datetime1">
               <a:rPr lang="ru-RU" smtClean="0"/>
-              <a:t>10.11.2020</a:t>
+              <a:t>18.11.2020</a:t>
             </a:fld>
             <a:endParaRPr lang="ru-RU"/>
           </a:p>
@@ -3235,7 +3235,7 @@
           <a:p>
             <a:fld id="{4AEFA3A0-0963-40F8-917D-76DEAAEFC216}" type="datetime1">
               <a:rPr lang="ru-RU" smtClean="0"/>
-              <a:t>10.11.2020</a:t>
+              <a:t>18.11.2020</a:t>
             </a:fld>
             <a:endParaRPr lang="ru-RU"/>
           </a:p>
@@ -3658,7 +3658,7 @@
           <a:p>
             <a:fld id="{DEF2FADE-2241-4AB9-A208-782AC4633E65}" type="datetime1">
               <a:rPr lang="ru-RU" smtClean="0"/>
-              <a:t>10.11.2020</a:t>
+              <a:t>18.11.2020</a:t>
             </a:fld>
             <a:endParaRPr lang="ru-RU"/>
           </a:p>
@@ -3779,7 +3779,7 @@
           <a:p>
             <a:fld id="{F73ABB79-FB1F-4563-8AEC-F75E8EA4533C}" type="datetime1">
               <a:rPr lang="ru-RU" smtClean="0"/>
-              <a:t>10.11.2020</a:t>
+              <a:t>18.11.2020</a:t>
             </a:fld>
             <a:endParaRPr lang="ru-RU"/>
           </a:p>
@@ -3878,7 +3878,7 @@
           <a:p>
             <a:fld id="{698CEBD2-D067-4C87-98E7-17140CF67479}" type="datetime1">
               <a:rPr lang="ru-RU" smtClean="0"/>
-              <a:t>10.11.2020</a:t>
+              <a:t>18.11.2020</a:t>
             </a:fld>
             <a:endParaRPr lang="ru-RU"/>
           </a:p>
@@ -4157,7 +4157,7 @@
           <a:p>
             <a:fld id="{98A170F8-514C-479C-AACB-5022023134F7}" type="datetime1">
               <a:rPr lang="ru-RU" smtClean="0"/>
-              <a:t>10.11.2020</a:t>
+              <a:t>18.11.2020</a:t>
             </a:fld>
             <a:endParaRPr lang="ru-RU"/>
           </a:p>
@@ -4416,7 +4416,7 @@
           <a:p>
             <a:fld id="{AA83611C-DD27-4ADB-92CD-801180824883}" type="datetime1">
               <a:rPr lang="ru-RU" smtClean="0"/>
-              <a:t>10.11.2020</a:t>
+              <a:t>18.11.2020</a:t>
             </a:fld>
             <a:endParaRPr lang="ru-RU"/>
           </a:p>
@@ -4634,7 +4634,7 @@
           <a:p>
             <a:fld id="{772C2E8B-7AD5-4B74-A391-C1BAFFD06762}" type="datetime1">
               <a:rPr lang="ru-RU" smtClean="0"/>
-              <a:t>10.11.2020</a:t>
+              <a:t>18.11.2020</a:t>
             </a:fld>
             <a:endParaRPr lang="ru-RU"/>
           </a:p>
@@ -10510,21 +10510,22 @@
           </p:cNvPicPr>
           <p:nvPr/>
         </p:nvPicPr>
-        <p:blipFill rotWithShape="1">
-          <a:blip r:embed="rId4">
+        <p:blipFill>
+          <a:blip r:embed="rId4" cstate="print">
             <a:extLst>
               <a:ext uri="{28A0092B-C50C-407E-A947-70E740481C1C}">
                 <a14:useLocalDpi xmlns:a14="http://schemas.microsoft.com/office/drawing/2010/main" val="0"/>
               </a:ext>
             </a:extLst>
           </a:blip>
-          <a:srcRect l="9272" r="8952"/>
-          <a:stretch/>
+          <a:stretch>
+            <a:fillRect/>
+          </a:stretch>
         </p:blipFill>
         <p:spPr>
           <a:xfrm>
-            <a:off x="3276600" y="2077867"/>
-            <a:ext cx="2209801" cy="2702265"/>
+            <a:off x="3276600" y="2119111"/>
+            <a:ext cx="2209801" cy="2619777"/>
           </a:xfrm>
           <a:prstGeom prst="rect">
             <a:avLst/>
@@ -11939,21 +11940,22 @@
           </p:cNvPicPr>
           <p:nvPr/>
         </p:nvPicPr>
-        <p:blipFill rotWithShape="1">
-          <a:blip r:embed="rId6">
+        <p:blipFill>
+          <a:blip r:embed="rId6" cstate="print">
             <a:extLst>
               <a:ext uri="{28A0092B-C50C-407E-A947-70E740481C1C}">
                 <a14:useLocalDpi xmlns:a14="http://schemas.microsoft.com/office/drawing/2010/main" val="0"/>
               </a:ext>
             </a:extLst>
           </a:blip>
-          <a:srcRect l="9272" r="8952"/>
-          <a:stretch/>
+          <a:stretch>
+            <a:fillRect/>
+          </a:stretch>
         </p:blipFill>
         <p:spPr>
           <a:xfrm>
-            <a:off x="2133600" y="2073347"/>
-            <a:ext cx="2209801" cy="2702265"/>
+            <a:off x="2133600" y="2114591"/>
+            <a:ext cx="2209801" cy="2619777"/>
           </a:xfrm>
           <a:prstGeom prst="rect">
             <a:avLst/>
